--- a/Meetings/Panel5/Panel5.pptx
+++ b/Meetings/Panel5/Panel5.pptx
@@ -5,19 +5,22 @@
     <p:sldMasterId id="2147483660" r:id="rId1"/>
   </p:sldMasterIdLst>
   <p:notesMasterIdLst>
-    <p:notesMasterId r:id="rId12"/>
+    <p:notesMasterId r:id="rId15"/>
   </p:notesMasterIdLst>
   <p:sldIdLst>
     <p:sldId id="256" r:id="rId2"/>
     <p:sldId id="257" r:id="rId3"/>
-    <p:sldId id="263" r:id="rId4"/>
-    <p:sldId id="264" r:id="rId5"/>
-    <p:sldId id="258" r:id="rId6"/>
-    <p:sldId id="259" r:id="rId7"/>
-    <p:sldId id="260" r:id="rId8"/>
-    <p:sldId id="261" r:id="rId9"/>
-    <p:sldId id="265" r:id="rId10"/>
-    <p:sldId id="262" r:id="rId11"/>
+    <p:sldId id="267" r:id="rId4"/>
+    <p:sldId id="271" r:id="rId5"/>
+    <p:sldId id="268" r:id="rId6"/>
+    <p:sldId id="269" r:id="rId7"/>
+    <p:sldId id="270" r:id="rId8"/>
+    <p:sldId id="262" r:id="rId9"/>
+    <p:sldId id="266" r:id="rId10"/>
+    <p:sldId id="258" r:id="rId11"/>
+    <p:sldId id="259" r:id="rId12"/>
+    <p:sldId id="260" r:id="rId13"/>
+    <p:sldId id="261" r:id="rId14"/>
   </p:sldIdLst>
   <p:sldSz cx="9144000" cy="6858000" type="screen4x3"/>
   <p:notesSz cx="6858000" cy="9144000"/>
@@ -201,7 +204,7 @@
           <a:p>
             <a:fld id="{569E1D57-8BCD-E54D-9D8B-FFE315E40802}" type="datetimeFigureOut">
               <a:rPr lang="en-US" smtClean="0"/>
-              <a:t>3/7/13</a:t>
+              <a:t>4/18/13</a:t>
             </a:fld>
             <a:endParaRPr lang="en-US"/>
           </a:p>
@@ -515,29 +518,11 @@
           <a:p>
             <a:r>
               <a:rPr lang="en-US" dirty="0" smtClean="0"/>
-              <a:t>Video on website</a:t>
+              <a:t>All text is recognized</a:t>
             </a:r>
             <a:r>
               <a:rPr lang="en-US" baseline="0" dirty="0" smtClean="0"/>
-              <a:t> of setup requiring 1:45 minutes </a:t>
-            </a:r>
-          </a:p>
-          <a:p>
-            <a:endParaRPr lang="en-US" baseline="0" dirty="0" smtClean="0"/>
-          </a:p>
-          <a:p>
-            <a:r>
-              <a:rPr lang="en-US" baseline="0" dirty="0" smtClean="0"/>
-              <a:t>Timestamps of images</a:t>
-            </a:r>
-          </a:p>
-          <a:p>
-            <a:endParaRPr lang="en-US" baseline="0" dirty="0" smtClean="0"/>
-          </a:p>
-          <a:p>
-            <a:r>
-              <a:rPr lang="en-US" baseline="0" dirty="0" smtClean="0"/>
-              <a:t>All test captures have been within given range 5 feet to 18 feet</a:t>
+              <a:t> and there is no foreground in the image</a:t>
             </a:r>
             <a:endParaRPr lang="en-US" dirty="0"/>
           </a:p>
@@ -569,7 +554,7 @@
     </p:spTree>
     <p:extLst>
       <p:ext uri="{BB962C8B-B14F-4D97-AF65-F5344CB8AC3E}">
-        <p14:creationId xmlns:p14="http://schemas.microsoft.com/office/powerpoint/2010/main" val="4235160299"/>
+        <p14:creationId xmlns:p14="http://schemas.microsoft.com/office/powerpoint/2010/main" val="2388974255"/>
       </p:ext>
     </p:extLst>
   </p:cSld>
@@ -625,21 +610,13 @@
           <a:p>
             <a:r>
               <a:rPr lang="en-US" dirty="0" smtClean="0"/>
-              <a:t>Camera weights 0.3</a:t>
+              <a:t>Light writing</a:t>
             </a:r>
             <a:r>
               <a:rPr lang="en-US" baseline="0" dirty="0" smtClean="0"/>
-              <a:t> kg</a:t>
-            </a:r>
-          </a:p>
-          <a:p>
-            <a:endParaRPr lang="en-US" baseline="0" dirty="0" smtClean="0"/>
-          </a:p>
-          <a:p>
-            <a:r>
-              <a:rPr lang="en-US" baseline="0" dirty="0" smtClean="0"/>
-              <a:t>Camera dimensions 128.7 x 70.8 x 19.1 mm</a:t>
-            </a:r>
+              <a:t> becomes harder to correct and accidental foreground becomes more pronounced</a:t>
+            </a:r>
+            <a:endParaRPr lang="en-US" dirty="0"/>
           </a:p>
         </p:txBody>
       </p:sp>
@@ -669,7 +646,7 @@
     </p:spTree>
     <p:extLst>
       <p:ext uri="{BB962C8B-B14F-4D97-AF65-F5344CB8AC3E}">
-        <p14:creationId xmlns:p14="http://schemas.microsoft.com/office/powerpoint/2010/main" val="1025574435"/>
+        <p14:creationId xmlns:p14="http://schemas.microsoft.com/office/powerpoint/2010/main" val="3284021903"/>
       </p:ext>
     </p:extLst>
   </p:cSld>
@@ -725,11 +702,11 @@
           <a:p>
             <a:r>
               <a:rPr lang="en-US" dirty="0" smtClean="0"/>
-              <a:t>Developed and tested</a:t>
+              <a:t>Video on website</a:t>
             </a:r>
             <a:r>
               <a:rPr lang="en-US" baseline="0" dirty="0" smtClean="0"/>
-              <a:t> on Ubuntu 12.10</a:t>
+              <a:t> of setup requiring 1:45 minutes </a:t>
             </a:r>
           </a:p>
           <a:p>
@@ -738,7 +715,7 @@
           <a:p>
             <a:r>
               <a:rPr lang="en-US" baseline="0" dirty="0" smtClean="0"/>
-              <a:t>Generate JPEGs</a:t>
+              <a:t>Timestamps of images</a:t>
             </a:r>
           </a:p>
           <a:p>
@@ -746,12 +723,8 @@
           </a:p>
           <a:p>
             <a:r>
-              <a:rPr lang="en-US" dirty="0" smtClean="0"/>
-              <a:t>GNU Image Manipulation Program (GIMP) works on JPEGs for Windows/OS</a:t>
-            </a:r>
-            <a:r>
               <a:rPr lang="en-US" baseline="0" dirty="0" smtClean="0"/>
-              <a:t> X/Linux</a:t>
+              <a:t>All test captures have been within given range 5 feet to 18 feet</a:t>
             </a:r>
             <a:endParaRPr lang="en-US" dirty="0"/>
           </a:p>
@@ -774,7 +747,7 @@
           <a:p>
             <a:fld id="{17A14002-CED4-3542-91CC-76FD5F0BA997}" type="slidenum">
               <a:rPr lang="en-US" smtClean="0"/>
-              <a:t>7</a:t>
+              <a:t>10</a:t>
             </a:fld>
             <a:endParaRPr lang="en-US"/>
           </a:p>
@@ -783,7 +756,7 @@
     </p:spTree>
     <p:extLst>
       <p:ext uri="{BB962C8B-B14F-4D97-AF65-F5344CB8AC3E}">
-        <p14:creationId xmlns:p14="http://schemas.microsoft.com/office/powerpoint/2010/main" val="1289481789"/>
+        <p14:creationId xmlns:p14="http://schemas.microsoft.com/office/powerpoint/2010/main" val="4235160299"/>
       </p:ext>
     </p:extLst>
   </p:cSld>
@@ -839,6 +812,220 @@
           <a:p>
             <a:r>
               <a:rPr lang="en-US" dirty="0" smtClean="0"/>
+              <a:t>Camera weights 0.3</a:t>
+            </a:r>
+            <a:r>
+              <a:rPr lang="en-US" baseline="0" dirty="0" smtClean="0"/>
+              <a:t> kg</a:t>
+            </a:r>
+          </a:p>
+          <a:p>
+            <a:endParaRPr lang="en-US" baseline="0" dirty="0" smtClean="0"/>
+          </a:p>
+          <a:p>
+            <a:r>
+              <a:rPr lang="en-US" baseline="0" dirty="0" smtClean="0"/>
+              <a:t>Camera dimensions 128.7 x 70.8 x 19.1 mm</a:t>
+            </a:r>
+          </a:p>
+        </p:txBody>
+      </p:sp>
+      <p:sp>
+        <p:nvSpPr>
+          <p:cNvPr id="4" name="Slide Number Placeholder 3"/>
+          <p:cNvSpPr>
+            <a:spLocks noGrp="1"/>
+          </p:cNvSpPr>
+          <p:nvPr>
+            <p:ph type="sldNum" sz="quarter" idx="10"/>
+          </p:nvPr>
+        </p:nvSpPr>
+        <p:spPr/>
+        <p:txBody>
+          <a:bodyPr/>
+          <a:lstStyle/>
+          <a:p>
+            <a:fld id="{17A14002-CED4-3542-91CC-76FD5F0BA997}" type="slidenum">
+              <a:rPr lang="en-US" smtClean="0"/>
+              <a:t>11</a:t>
+            </a:fld>
+            <a:endParaRPr lang="en-US"/>
+          </a:p>
+        </p:txBody>
+      </p:sp>
+    </p:spTree>
+    <p:extLst>
+      <p:ext uri="{BB962C8B-B14F-4D97-AF65-F5344CB8AC3E}">
+        <p14:creationId xmlns:p14="http://schemas.microsoft.com/office/powerpoint/2010/main" val="1025574435"/>
+      </p:ext>
+    </p:extLst>
+  </p:cSld>
+  <p:clrMapOvr>
+    <a:masterClrMapping/>
+  </p:clrMapOvr>
+</p:notes>
+</file>
+
+<file path=ppt/notesSlides/notesSlide5.xml><?xml version="1.0" encoding="utf-8"?>
+<p:notes xmlns:a="http://schemas.openxmlformats.org/drawingml/2006/main" xmlns:r="http://schemas.openxmlformats.org/officeDocument/2006/relationships" xmlns:p="http://schemas.openxmlformats.org/presentationml/2006/main">
+  <p:cSld>
+    <p:spTree>
+      <p:nvGrpSpPr>
+        <p:cNvPr id="1" name=""/>
+        <p:cNvGrpSpPr/>
+        <p:nvPr/>
+      </p:nvGrpSpPr>
+      <p:grpSpPr>
+        <a:xfrm>
+          <a:off x="0" y="0"/>
+          <a:ext cx="0" cy="0"/>
+          <a:chOff x="0" y="0"/>
+          <a:chExt cx="0" cy="0"/>
+        </a:xfrm>
+      </p:grpSpPr>
+      <p:sp>
+        <p:nvSpPr>
+          <p:cNvPr id="2" name="Slide Image Placeholder 1"/>
+          <p:cNvSpPr>
+            <a:spLocks noGrp="1" noRot="1" noChangeAspect="1"/>
+          </p:cNvSpPr>
+          <p:nvPr>
+            <p:ph type="sldImg"/>
+          </p:nvPr>
+        </p:nvSpPr>
+        <p:spPr/>
+      </p:sp>
+      <p:sp>
+        <p:nvSpPr>
+          <p:cNvPr id="3" name="Notes Placeholder 2"/>
+          <p:cNvSpPr>
+            <a:spLocks noGrp="1"/>
+          </p:cNvSpPr>
+          <p:nvPr>
+            <p:ph type="body" idx="1"/>
+          </p:nvPr>
+        </p:nvSpPr>
+        <p:spPr/>
+        <p:txBody>
+          <a:bodyPr/>
+          <a:lstStyle/>
+          <a:p>
+            <a:r>
+              <a:rPr lang="en-US" dirty="0" smtClean="0"/>
+              <a:t>Developed and tested</a:t>
+            </a:r>
+            <a:r>
+              <a:rPr lang="en-US" baseline="0" dirty="0" smtClean="0"/>
+              <a:t> on Ubuntu 12.10</a:t>
+            </a:r>
+          </a:p>
+          <a:p>
+            <a:endParaRPr lang="en-US" baseline="0" dirty="0" smtClean="0"/>
+          </a:p>
+          <a:p>
+            <a:r>
+              <a:rPr lang="en-US" baseline="0" dirty="0" smtClean="0"/>
+              <a:t>Generate JPEGs</a:t>
+            </a:r>
+          </a:p>
+          <a:p>
+            <a:endParaRPr lang="en-US" baseline="0" dirty="0" smtClean="0"/>
+          </a:p>
+          <a:p>
+            <a:r>
+              <a:rPr lang="en-US" dirty="0" smtClean="0"/>
+              <a:t>GNU Image Manipulation Program (GIMP) works on JPEGs for Windows/OS</a:t>
+            </a:r>
+            <a:r>
+              <a:rPr lang="en-US" baseline="0" dirty="0" smtClean="0"/>
+              <a:t> X/Linux</a:t>
+            </a:r>
+            <a:endParaRPr lang="en-US" dirty="0"/>
+          </a:p>
+        </p:txBody>
+      </p:sp>
+      <p:sp>
+        <p:nvSpPr>
+          <p:cNvPr id="4" name="Slide Number Placeholder 3"/>
+          <p:cNvSpPr>
+            <a:spLocks noGrp="1"/>
+          </p:cNvSpPr>
+          <p:nvPr>
+            <p:ph type="sldNum" sz="quarter" idx="10"/>
+          </p:nvPr>
+        </p:nvSpPr>
+        <p:spPr/>
+        <p:txBody>
+          <a:bodyPr/>
+          <a:lstStyle/>
+          <a:p>
+            <a:fld id="{17A14002-CED4-3542-91CC-76FD5F0BA997}" type="slidenum">
+              <a:rPr lang="en-US" smtClean="0"/>
+              <a:t>12</a:t>
+            </a:fld>
+            <a:endParaRPr lang="en-US"/>
+          </a:p>
+        </p:txBody>
+      </p:sp>
+    </p:spTree>
+    <p:extLst>
+      <p:ext uri="{BB962C8B-B14F-4D97-AF65-F5344CB8AC3E}">
+        <p14:creationId xmlns:p14="http://schemas.microsoft.com/office/powerpoint/2010/main" val="1289481789"/>
+      </p:ext>
+    </p:extLst>
+  </p:cSld>
+  <p:clrMapOvr>
+    <a:masterClrMapping/>
+  </p:clrMapOvr>
+</p:notes>
+</file>
+
+<file path=ppt/notesSlides/notesSlide6.xml><?xml version="1.0" encoding="utf-8"?>
+<p:notes xmlns:a="http://schemas.openxmlformats.org/drawingml/2006/main" xmlns:r="http://schemas.openxmlformats.org/officeDocument/2006/relationships" xmlns:p="http://schemas.openxmlformats.org/presentationml/2006/main">
+  <p:cSld>
+    <p:spTree>
+      <p:nvGrpSpPr>
+        <p:cNvPr id="1" name=""/>
+        <p:cNvGrpSpPr/>
+        <p:nvPr/>
+      </p:nvGrpSpPr>
+      <p:grpSpPr>
+        <a:xfrm>
+          <a:off x="0" y="0"/>
+          <a:ext cx="0" cy="0"/>
+          <a:chOff x="0" y="0"/>
+          <a:chExt cx="0" cy="0"/>
+        </a:xfrm>
+      </p:grpSpPr>
+      <p:sp>
+        <p:nvSpPr>
+          <p:cNvPr id="2" name="Slide Image Placeholder 1"/>
+          <p:cNvSpPr>
+            <a:spLocks noGrp="1" noRot="1" noChangeAspect="1"/>
+          </p:cNvSpPr>
+          <p:nvPr>
+            <p:ph type="sldImg"/>
+          </p:nvPr>
+        </p:nvSpPr>
+        <p:spPr/>
+      </p:sp>
+      <p:sp>
+        <p:nvSpPr>
+          <p:cNvPr id="3" name="Notes Placeholder 2"/>
+          <p:cNvSpPr>
+            <a:spLocks noGrp="1"/>
+          </p:cNvSpPr>
+          <p:nvPr>
+            <p:ph type="body" idx="1"/>
+          </p:nvPr>
+        </p:nvSpPr>
+        <p:spPr/>
+        <p:txBody>
+          <a:bodyPr/>
+          <a:lstStyle/>
+          <a:p>
+            <a:r>
+              <a:rPr lang="en-US" dirty="0" smtClean="0"/>
               <a:t>Ran</a:t>
             </a:r>
             <a:r>
@@ -892,7 +1079,7 @@
           <a:p>
             <a:fld id="{17A14002-CED4-3542-91CC-76FD5F0BA997}" type="slidenum">
               <a:rPr lang="en-US" smtClean="0"/>
-              <a:t>8</a:t>
+              <a:t>13</a:t>
             </a:fld>
             <a:endParaRPr lang="en-US"/>
           </a:p>
@@ -1347,7 +1534,7 @@
           <a:p>
             <a:fld id="{7D290233-0DD1-4A80-BB1E-9ADC3556DBB6}" type="datetimeFigureOut">
               <a:rPr lang="en-US" smtClean="0"/>
-              <a:t>3/7/13</a:t>
+              <a:t>4/18/13</a:t>
             </a:fld>
             <a:endParaRPr lang="en-US"/>
           </a:p>
@@ -1986,7 +2173,7 @@
           <a:p>
             <a:fld id="{7D290233-0DD1-4A80-BB1E-9ADC3556DBB6}" type="datetimeFigureOut">
               <a:rPr lang="en-US" smtClean="0"/>
-              <a:t>3/7/13</a:t>
+              <a:t>4/18/13</a:t>
             </a:fld>
             <a:endParaRPr lang="en-US"/>
           </a:p>
@@ -2558,7 +2745,7 @@
           <a:p>
             <a:fld id="{7D290233-0DD1-4A80-BB1E-9ADC3556DBB6}" type="datetimeFigureOut">
               <a:rPr lang="en-US" smtClean="0"/>
-              <a:t>3/7/13</a:t>
+              <a:t>4/18/13</a:t>
             </a:fld>
             <a:endParaRPr lang="en-US"/>
           </a:p>
@@ -3092,7 +3279,7 @@
           <a:p>
             <a:fld id="{7D290233-0DD1-4A80-BB1E-9ADC3556DBB6}" type="datetimeFigureOut">
               <a:rPr lang="en-US" smtClean="0"/>
-              <a:t>3/7/13</a:t>
+              <a:t>4/18/13</a:t>
             </a:fld>
             <a:endParaRPr lang="en-US"/>
           </a:p>
@@ -3522,7 +3709,7 @@
           <a:p>
             <a:fld id="{7D290233-0DD1-4A80-BB1E-9ADC3556DBB6}" type="datetimeFigureOut">
               <a:rPr lang="en-US" smtClean="0"/>
-              <a:t>3/7/13</a:t>
+              <a:t>4/18/13</a:t>
             </a:fld>
             <a:endParaRPr lang="en-US"/>
           </a:p>
@@ -3983,7 +4170,7 @@
           <a:p>
             <a:fld id="{7D290233-0DD1-4A80-BB1E-9ADC3556DBB6}" type="datetimeFigureOut">
               <a:rPr lang="en-US" smtClean="0"/>
-              <a:t>3/7/13</a:t>
+              <a:t>4/18/13</a:t>
             </a:fld>
             <a:endParaRPr lang="en-US"/>
           </a:p>
@@ -4413,7 +4600,7 @@
           <a:p>
             <a:fld id="{7D290233-0DD1-4A80-BB1E-9ADC3556DBB6}" type="datetimeFigureOut">
               <a:rPr lang="en-US" smtClean="0"/>
-              <a:t>3/7/13</a:t>
+              <a:t>4/18/13</a:t>
             </a:fld>
             <a:endParaRPr lang="en-US"/>
           </a:p>
@@ -4887,7 +5074,7 @@
           <a:p>
             <a:fld id="{7D290233-0DD1-4A80-BB1E-9ADC3556DBB6}" type="datetimeFigureOut">
               <a:rPr lang="en-US" smtClean="0"/>
-              <a:t>3/7/13</a:t>
+              <a:t>4/18/13</a:t>
             </a:fld>
             <a:endParaRPr lang="en-US"/>
           </a:p>
@@ -5337,7 +5524,7 @@
           <a:p>
             <a:fld id="{7D290233-0DD1-4A80-BB1E-9ADC3556DBB6}" type="datetimeFigureOut">
               <a:rPr lang="en-US" smtClean="0"/>
-              <a:t>3/7/13</a:t>
+              <a:t>4/18/13</a:t>
             </a:fld>
             <a:endParaRPr lang="en-US"/>
           </a:p>
@@ -5857,7 +6044,7 @@
           <a:p>
             <a:fld id="{7D290233-0DD1-4A80-BB1E-9ADC3556DBB6}" type="datetimeFigureOut">
               <a:rPr lang="en-US" smtClean="0"/>
-              <a:t>3/7/13</a:t>
+              <a:t>4/18/13</a:t>
             </a:fld>
             <a:endParaRPr lang="en-US"/>
           </a:p>
@@ -6633,7 +6820,7 @@
           <a:p>
             <a:fld id="{7D290233-0DD1-4A80-BB1E-9ADC3556DBB6}" type="datetimeFigureOut">
               <a:rPr lang="en-US" smtClean="0"/>
-              <a:t>3/7/13</a:t>
+              <a:t>4/18/13</a:t>
             </a:fld>
             <a:endParaRPr lang="en-US"/>
           </a:p>
@@ -6979,7 +7166,7 @@
           <a:p>
             <a:fld id="{7D290233-0DD1-4A80-BB1E-9ADC3556DBB6}" type="datetimeFigureOut">
               <a:rPr lang="en-US" smtClean="0"/>
-              <a:t>3/7/13</a:t>
+              <a:t>4/18/13</a:t>
             </a:fld>
             <a:endParaRPr lang="en-US"/>
           </a:p>
@@ -7248,7 +7435,7 @@
           <a:p>
             <a:fld id="{7D290233-0DD1-4A80-BB1E-9ADC3556DBB6}" type="datetimeFigureOut">
               <a:rPr lang="en-US" smtClean="0"/>
-              <a:t>3/7/13</a:t>
+              <a:t>4/18/13</a:t>
             </a:fld>
             <a:endParaRPr lang="en-US"/>
           </a:p>
@@ -7833,7 +8020,7 @@
           <a:p>
             <a:fld id="{7D290233-0DD1-4A80-BB1E-9ADC3556DBB6}" type="datetimeFigureOut">
               <a:rPr lang="en-US" smtClean="0"/>
-              <a:t>3/7/13</a:t>
+              <a:t>4/18/13</a:t>
             </a:fld>
             <a:endParaRPr lang="en-US"/>
           </a:p>
@@ -8071,7 +8258,7 @@
           <a:p>
             <a:fld id="{7D290233-0DD1-4A80-BB1E-9ADC3556DBB6}" type="datetimeFigureOut">
               <a:rPr lang="en-US" smtClean="0"/>
-              <a:t>3/7/13</a:t>
+              <a:t>4/18/13</a:t>
             </a:fld>
             <a:endParaRPr lang="en-US"/>
           </a:p>
@@ -8557,7 +8744,15 @@
             </a:r>
             <a:r>
               <a:rPr lang="en-US" dirty="0" smtClean="0"/>
-              <a:t> Panel 5 Prototype Demonstration</a:t>
+              <a:t> Panel </a:t>
+            </a:r>
+            <a:r>
+              <a:rPr lang="en-US" dirty="0" smtClean="0"/>
+              <a:t>6 Full System </a:t>
+            </a:r>
+            <a:r>
+              <a:rPr lang="en-US" dirty="0" smtClean="0"/>
+              <a:t>Demonstration</a:t>
             </a:r>
             <a:endParaRPr lang="en-US" dirty="0"/>
           </a:p>
@@ -8640,7 +8835,7 @@
           <a:p>
             <a:r>
               <a:rPr lang="en-US" dirty="0" smtClean="0"/>
-              <a:t>Feedback</a:t>
+              <a:t>System Specifications</a:t>
             </a:r>
             <a:endParaRPr lang="en-US" dirty="0"/>
           </a:p>
@@ -8658,32 +8853,429 @@
         </p:nvSpPr>
         <p:spPr/>
         <p:txBody>
-          <a:bodyPr/>
+          <a:bodyPr>
+            <a:normAutofit fontScale="92500" lnSpcReduction="20000"/>
+          </a:bodyPr>
           <a:lstStyle/>
           <a:p>
             <a:r>
               <a:rPr lang="en-US" dirty="0" smtClean="0"/>
-              <a:t>Questions?</a:t>
-            </a:r>
-          </a:p>
-          <a:p>
-            <a:r>
-              <a:rPr lang="en-US" dirty="0" smtClean="0"/>
-              <a:t>Comments?</a:t>
-            </a:r>
-          </a:p>
-          <a:p>
-            <a:r>
-              <a:rPr lang="en-US" dirty="0" smtClean="0"/>
-              <a:t>Concerns?</a:t>
-            </a:r>
+              <a:t>3.1.1- </a:t>
+            </a:r>
+            <a:r>
+              <a:rPr lang="en-US" dirty="0"/>
+              <a:t>The maximum time required to prepare the capture system for recording shall not exceed 5 minutes. </a:t>
+            </a:r>
+          </a:p>
+          <a:p>
+            <a:r>
+              <a:rPr lang="en-US" dirty="0" smtClean="0"/>
+              <a:t>3.2.1- </a:t>
+            </a:r>
+            <a:r>
+              <a:rPr lang="en-US" dirty="0"/>
+              <a:t>The </a:t>
+            </a:r>
+            <a:r>
+              <a:rPr lang="en-US" dirty="0" err="1"/>
+              <a:t>ProPANE</a:t>
+            </a:r>
+            <a:r>
+              <a:rPr lang="en-US" dirty="0"/>
+              <a:t> system shall capture all of the information written on a board and within the capture field provided that there exists a clear line of sight from the capture device to the information for a minimum of 5 continuous seconds. </a:t>
+            </a:r>
+          </a:p>
+          <a:p>
+            <a:r>
+              <a:rPr lang="en-US" dirty="0" smtClean="0"/>
+              <a:t>3.3.1- The </a:t>
+            </a:r>
+            <a:r>
+              <a:rPr lang="en-US" dirty="0"/>
+              <a:t>minimum operating distance from board for the capture system shall not exceed 220 inches. </a:t>
+            </a:r>
+            <a:endParaRPr lang="en-US" dirty="0" smtClean="0"/>
+          </a:p>
+          <a:p>
+            <a:r>
+              <a:rPr lang="en-US" dirty="0" smtClean="0"/>
+              <a:t>3.3.2- </a:t>
+            </a:r>
+            <a:r>
+              <a:rPr lang="en-US" dirty="0"/>
+              <a:t>The maximum operating distance from board for the capture system shall not be less than 60 inches. </a:t>
+            </a:r>
+          </a:p>
+          <a:p>
+            <a:endParaRPr lang="en-US" dirty="0"/>
           </a:p>
         </p:txBody>
       </p:sp>
     </p:spTree>
     <p:extLst>
       <p:ext uri="{BB962C8B-B14F-4D97-AF65-F5344CB8AC3E}">
-        <p14:creationId xmlns:p14="http://schemas.microsoft.com/office/powerpoint/2010/main" val="682857186"/>
+        <p14:creationId xmlns:p14="http://schemas.microsoft.com/office/powerpoint/2010/main" val="3299095070"/>
+      </p:ext>
+    </p:extLst>
+  </p:cSld>
+  <p:clrMapOvr>
+    <a:masterClrMapping/>
+  </p:clrMapOvr>
+  <p:timing>
+    <p:tnLst>
+      <p:par>
+        <p:cTn xmlns:p14="http://schemas.microsoft.com/office/powerpoint/2010/main" id="1" dur="indefinite" restart="never" nodeType="tmRoot"/>
+      </p:par>
+    </p:tnLst>
+  </p:timing>
+</p:sld>
+</file>
+
+<file path=ppt/slides/slide11.xml><?xml version="1.0" encoding="utf-8"?>
+<p:sld xmlns:a="http://schemas.openxmlformats.org/drawingml/2006/main" xmlns:r="http://schemas.openxmlformats.org/officeDocument/2006/relationships" xmlns:p="http://schemas.openxmlformats.org/presentationml/2006/main">
+  <p:cSld>
+    <p:spTree>
+      <p:nvGrpSpPr>
+        <p:cNvPr id="1" name=""/>
+        <p:cNvGrpSpPr/>
+        <p:nvPr/>
+      </p:nvGrpSpPr>
+      <p:grpSpPr>
+        <a:xfrm>
+          <a:off x="0" y="0"/>
+          <a:ext cx="0" cy="0"/>
+          <a:chOff x="0" y="0"/>
+          <a:chExt cx="0" cy="0"/>
+        </a:xfrm>
+      </p:grpSpPr>
+      <p:sp>
+        <p:nvSpPr>
+          <p:cNvPr id="2" name="Title 1"/>
+          <p:cNvSpPr>
+            <a:spLocks noGrp="1"/>
+          </p:cNvSpPr>
+          <p:nvPr>
+            <p:ph type="title"/>
+          </p:nvPr>
+        </p:nvSpPr>
+        <p:spPr/>
+        <p:txBody>
+          <a:bodyPr/>
+          <a:lstStyle/>
+          <a:p>
+            <a:r>
+              <a:rPr lang="en-US" dirty="0" smtClean="0"/>
+              <a:t>Hardware Specifications</a:t>
+            </a:r>
+            <a:endParaRPr lang="en-US" dirty="0"/>
+          </a:p>
+        </p:txBody>
+      </p:sp>
+      <p:sp>
+        <p:nvSpPr>
+          <p:cNvPr id="3" name="Content Placeholder 2"/>
+          <p:cNvSpPr>
+            <a:spLocks noGrp="1"/>
+          </p:cNvSpPr>
+          <p:nvPr>
+            <p:ph idx="1"/>
+          </p:nvPr>
+        </p:nvSpPr>
+        <p:spPr/>
+        <p:txBody>
+          <a:bodyPr/>
+          <a:lstStyle/>
+          <a:p>
+            <a:r>
+              <a:rPr lang="en-US" dirty="0" smtClean="0"/>
+              <a:t>4.1.1- </a:t>
+            </a:r>
+            <a:r>
+              <a:rPr lang="en-US" dirty="0"/>
+              <a:t>The total weight of the capture device shall not exceed 2.5 kg. </a:t>
+            </a:r>
+          </a:p>
+          <a:p>
+            <a:r>
+              <a:rPr lang="en-US" dirty="0" smtClean="0"/>
+              <a:t>4.1.2- </a:t>
+            </a:r>
+            <a:r>
+              <a:rPr lang="en-US" dirty="0"/>
+              <a:t>The capture device shall fit inside of a cube with 0.75 m sides in its most collapsed and fully assembled state. </a:t>
+            </a:r>
+          </a:p>
+          <a:p>
+            <a:pPr marL="0" indent="0">
+              <a:buNone/>
+            </a:pPr>
+            <a:endParaRPr lang="en-US" dirty="0"/>
+          </a:p>
+        </p:txBody>
+      </p:sp>
+    </p:spTree>
+    <p:extLst>
+      <p:ext uri="{BB962C8B-B14F-4D97-AF65-F5344CB8AC3E}">
+        <p14:creationId xmlns:p14="http://schemas.microsoft.com/office/powerpoint/2010/main" val="6903302"/>
+      </p:ext>
+    </p:extLst>
+  </p:cSld>
+  <p:clrMapOvr>
+    <a:masterClrMapping/>
+  </p:clrMapOvr>
+  <p:timing>
+    <p:tnLst>
+      <p:par>
+        <p:cTn xmlns:p14="http://schemas.microsoft.com/office/powerpoint/2010/main" id="1" dur="indefinite" restart="never" nodeType="tmRoot"/>
+      </p:par>
+    </p:tnLst>
+  </p:timing>
+</p:sld>
+</file>
+
+<file path=ppt/slides/slide12.xml><?xml version="1.0" encoding="utf-8"?>
+<p:sld xmlns:a="http://schemas.openxmlformats.org/drawingml/2006/main" xmlns:r="http://schemas.openxmlformats.org/officeDocument/2006/relationships" xmlns:p="http://schemas.openxmlformats.org/presentationml/2006/main">
+  <p:cSld>
+    <p:spTree>
+      <p:nvGrpSpPr>
+        <p:cNvPr id="1" name=""/>
+        <p:cNvGrpSpPr/>
+        <p:nvPr/>
+      </p:nvGrpSpPr>
+      <p:grpSpPr>
+        <a:xfrm>
+          <a:off x="0" y="0"/>
+          <a:ext cx="0" cy="0"/>
+          <a:chOff x="0" y="0"/>
+          <a:chExt cx="0" cy="0"/>
+        </a:xfrm>
+      </p:grpSpPr>
+      <p:sp>
+        <p:nvSpPr>
+          <p:cNvPr id="2" name="Title 1"/>
+          <p:cNvSpPr>
+            <a:spLocks noGrp="1"/>
+          </p:cNvSpPr>
+          <p:nvPr>
+            <p:ph type="title"/>
+          </p:nvPr>
+        </p:nvSpPr>
+        <p:spPr/>
+        <p:txBody>
+          <a:bodyPr/>
+          <a:lstStyle/>
+          <a:p>
+            <a:r>
+              <a:rPr lang="en-US" dirty="0" smtClean="0"/>
+              <a:t>Software Specifications</a:t>
+            </a:r>
+            <a:endParaRPr lang="en-US" dirty="0"/>
+          </a:p>
+        </p:txBody>
+      </p:sp>
+      <p:sp>
+        <p:nvSpPr>
+          <p:cNvPr id="3" name="Content Placeholder 2"/>
+          <p:cNvSpPr>
+            <a:spLocks noGrp="1"/>
+          </p:cNvSpPr>
+          <p:nvPr>
+            <p:ph idx="1"/>
+          </p:nvPr>
+        </p:nvSpPr>
+        <p:spPr/>
+        <p:txBody>
+          <a:bodyPr/>
+          <a:lstStyle/>
+          <a:p>
+            <a:r>
+              <a:rPr lang="en-US" dirty="0" smtClean="0"/>
+              <a:t>5.1.1- </a:t>
+            </a:r>
+            <a:r>
+              <a:rPr lang="en-US" dirty="0"/>
+              <a:t>The analysis system shall support the Ubuntu </a:t>
+            </a:r>
+            <a:r>
+              <a:rPr lang="en-US" dirty="0" smtClean="0"/>
+              <a:t>12.10 </a:t>
+            </a:r>
+            <a:r>
+              <a:rPr lang="en-US" dirty="0"/>
+              <a:t>operating system. </a:t>
+            </a:r>
+          </a:p>
+          <a:p>
+            <a:r>
+              <a:rPr lang="en-US" dirty="0" smtClean="0"/>
+              <a:t>5.2.1- </a:t>
+            </a:r>
+            <a:r>
+              <a:rPr lang="en-US" dirty="0"/>
+              <a:t>The </a:t>
+            </a:r>
+            <a:r>
+              <a:rPr lang="en-US" dirty="0" err="1"/>
+              <a:t>ProPANE</a:t>
+            </a:r>
+            <a:r>
+              <a:rPr lang="en-US" dirty="0"/>
+              <a:t> system shall generate images that are in an open format (no proprietary formats). </a:t>
+            </a:r>
+          </a:p>
+          <a:p>
+            <a:r>
+              <a:rPr lang="en-US" dirty="0" smtClean="0"/>
+              <a:t>5.2.2- </a:t>
+            </a:r>
+            <a:r>
+              <a:rPr lang="en-US" dirty="0"/>
+              <a:t>The images generated by the </a:t>
+            </a:r>
+            <a:r>
+              <a:rPr lang="en-US" dirty="0" err="1"/>
+              <a:t>ProPANE</a:t>
+            </a:r>
+            <a:r>
+              <a:rPr lang="en-US" dirty="0"/>
+              <a:t> system shall be editable—to the extent of rotating and cropping—through the use of a free-from-cost editor. </a:t>
+            </a:r>
+          </a:p>
+          <a:p>
+            <a:endParaRPr lang="en-US" dirty="0"/>
+          </a:p>
+        </p:txBody>
+      </p:sp>
+    </p:spTree>
+    <p:extLst>
+      <p:ext uri="{BB962C8B-B14F-4D97-AF65-F5344CB8AC3E}">
+        <p14:creationId xmlns:p14="http://schemas.microsoft.com/office/powerpoint/2010/main" val="1110084734"/>
+      </p:ext>
+    </p:extLst>
+  </p:cSld>
+  <p:clrMapOvr>
+    <a:masterClrMapping/>
+  </p:clrMapOvr>
+  <p:timing>
+    <p:tnLst>
+      <p:par>
+        <p:cTn xmlns:p14="http://schemas.microsoft.com/office/powerpoint/2010/main" id="1" dur="indefinite" restart="never" nodeType="tmRoot"/>
+      </p:par>
+    </p:tnLst>
+  </p:timing>
+</p:sld>
+</file>
+
+<file path=ppt/slides/slide13.xml><?xml version="1.0" encoding="utf-8"?>
+<p:sld xmlns:a="http://schemas.openxmlformats.org/drawingml/2006/main" xmlns:r="http://schemas.openxmlformats.org/officeDocument/2006/relationships" xmlns:p="http://schemas.openxmlformats.org/presentationml/2006/main">
+  <p:cSld>
+    <p:spTree>
+      <p:nvGrpSpPr>
+        <p:cNvPr id="1" name=""/>
+        <p:cNvGrpSpPr/>
+        <p:nvPr/>
+      </p:nvGrpSpPr>
+      <p:grpSpPr>
+        <a:xfrm>
+          <a:off x="0" y="0"/>
+          <a:ext cx="0" cy="0"/>
+          <a:chOff x="0" y="0"/>
+          <a:chExt cx="0" cy="0"/>
+        </a:xfrm>
+      </p:grpSpPr>
+      <p:sp>
+        <p:nvSpPr>
+          <p:cNvPr id="2" name="Title 1"/>
+          <p:cNvSpPr>
+            <a:spLocks noGrp="1"/>
+          </p:cNvSpPr>
+          <p:nvPr>
+            <p:ph type="title"/>
+          </p:nvPr>
+        </p:nvSpPr>
+        <p:spPr/>
+        <p:txBody>
+          <a:bodyPr/>
+          <a:lstStyle/>
+          <a:p>
+            <a:r>
+              <a:rPr lang="en-US" dirty="0" smtClean="0"/>
+              <a:t>Interface Specifications</a:t>
+            </a:r>
+            <a:endParaRPr lang="en-US" dirty="0"/>
+          </a:p>
+        </p:txBody>
+      </p:sp>
+      <p:sp>
+        <p:nvSpPr>
+          <p:cNvPr id="3" name="Content Placeholder 2"/>
+          <p:cNvSpPr>
+            <a:spLocks noGrp="1"/>
+          </p:cNvSpPr>
+          <p:nvPr>
+            <p:ph idx="1"/>
+          </p:nvPr>
+        </p:nvSpPr>
+        <p:spPr/>
+        <p:txBody>
+          <a:bodyPr>
+            <a:normAutofit fontScale="92500" lnSpcReduction="10000"/>
+          </a:bodyPr>
+          <a:lstStyle/>
+          <a:p>
+            <a:r>
+              <a:rPr lang="en-US" dirty="0" smtClean="0"/>
+              <a:t>6.1.1- </a:t>
+            </a:r>
+            <a:r>
+              <a:rPr lang="en-US" dirty="0"/>
+              <a:t>The mechanism for starting the capture system shall be simple enough to use as to require no special training aside from reading the user manual. </a:t>
+            </a:r>
+          </a:p>
+          <a:p>
+            <a:r>
+              <a:rPr lang="en-US" dirty="0" smtClean="0"/>
+              <a:t>6.1.2- </a:t>
+            </a:r>
+            <a:r>
+              <a:rPr lang="en-US" dirty="0"/>
+              <a:t>The mechanism for stopping the capture system shall be simple enough to use as to require no </a:t>
+            </a:r>
+            <a:r>
+              <a:rPr lang="en-US" dirty="0" smtClean="0"/>
+              <a:t>special </a:t>
+            </a:r>
+            <a:r>
+              <a:rPr lang="en-US" dirty="0"/>
+              <a:t>training aside from reading the user manual. </a:t>
+            </a:r>
+          </a:p>
+          <a:p>
+            <a:r>
+              <a:rPr lang="en-US" dirty="0" smtClean="0"/>
+              <a:t>6.2.1- </a:t>
+            </a:r>
+            <a:r>
+              <a:rPr lang="en-US" dirty="0"/>
+              <a:t>The analysis system shall provide a mechanism for accessing the identified key images. </a:t>
+            </a:r>
+          </a:p>
+          <a:p>
+            <a:r>
+              <a:rPr lang="en-US" dirty="0" smtClean="0"/>
+              <a:t>6.2.2- </a:t>
+            </a:r>
+            <a:r>
+              <a:rPr lang="en-US" dirty="0"/>
+              <a:t>The analysis system shall provide a graphical interface for exporting image files to a specified location. </a:t>
+            </a:r>
+          </a:p>
+        </p:txBody>
+      </p:sp>
+    </p:spTree>
+    <p:extLst>
+      <p:ext uri="{BB962C8B-B14F-4D97-AF65-F5344CB8AC3E}">
+        <p14:creationId xmlns:p14="http://schemas.microsoft.com/office/powerpoint/2010/main" val="1191960253"/>
       </p:ext>
     </p:extLst>
   </p:cSld>
@@ -8757,14 +9349,13 @@
           <a:p>
             <a:r>
               <a:rPr lang="en-US" dirty="0" smtClean="0"/>
-              <a:t>Live demo</a:t>
-            </a:r>
-          </a:p>
-          <a:p>
-            <a:r>
-              <a:rPr lang="en-US" dirty="0" smtClean="0"/>
-              <a:t>Recorded results</a:t>
-            </a:r>
+              <a:t>Live </a:t>
+            </a:r>
+            <a:r>
+              <a:rPr lang="en-US" dirty="0" smtClean="0"/>
+              <a:t>demo</a:t>
+            </a:r>
+            <a:endParaRPr lang="en-US" dirty="0" smtClean="0"/>
           </a:p>
           <a:p>
             <a:r>
@@ -8779,16 +9370,14 @@
           <a:p>
             <a:r>
               <a:rPr lang="en-US" dirty="0" smtClean="0"/>
-              <a:t>Future work</a:t>
-            </a:r>
+              <a:t>Feedback</a:t>
+            </a:r>
+          </a:p>
+          <a:p>
+            <a:pPr marL="0" indent="0">
+              <a:buNone/>
+            </a:pPr>
             <a:endParaRPr lang="en-US" dirty="0" smtClean="0"/>
-          </a:p>
-          <a:p>
-            <a:r>
-              <a:rPr lang="en-US" dirty="0" smtClean="0"/>
-              <a:t>Feedback</a:t>
-            </a:r>
-            <a:endParaRPr lang="en-US" dirty="0"/>
           </a:p>
         </p:txBody>
       </p:sp>
@@ -8846,59 +9435,51 @@
           <a:p>
             <a:r>
               <a:rPr lang="en-US" dirty="0" smtClean="0"/>
-              <a:t>Live Demo</a:t>
+              <a:t>Live demo</a:t>
             </a:r>
             <a:endParaRPr lang="en-US" dirty="0"/>
           </a:p>
         </p:txBody>
       </p:sp>
-      <p:pic>
-        <p:nvPicPr>
-          <p:cNvPr id="7" name="Picture 6" descr="concept-of-operation.eps"/>
-          <p:cNvPicPr>
-            <a:picLocks noChangeAspect="1"/>
-          </p:cNvPicPr>
-          <p:nvPr/>
-        </p:nvPicPr>
-        <p:blipFill>
-          <a:blip r:embed="rId2">
-            <a:extLst>
-              <a:ext uri="{28A0092B-C50C-407E-A947-70E740481C1C}">
-                <a14:useLocalDpi xmlns:a14="http://schemas.microsoft.com/office/drawing/2010/main" val="0"/>
-              </a:ext>
-            </a:extLst>
-          </a:blip>
-          <a:stretch>
-            <a:fillRect/>
-          </a:stretch>
-        </p:blipFill>
-        <p:spPr>
-          <a:xfrm>
-            <a:off x="320556" y="2144786"/>
-            <a:ext cx="8501221" cy="3690595"/>
-          </a:xfrm>
-          <a:prstGeom prst="rect">
-            <a:avLst/>
-          </a:prstGeom>
-        </p:spPr>
-      </p:pic>
+      <p:sp>
+        <p:nvSpPr>
+          <p:cNvPr id="3" name="Content Placeholder 2"/>
+          <p:cNvSpPr>
+            <a:spLocks noGrp="1"/>
+          </p:cNvSpPr>
+          <p:nvPr>
+            <p:ph idx="1"/>
+          </p:nvPr>
+        </p:nvSpPr>
+        <p:spPr/>
+        <p:txBody>
+          <a:bodyPr/>
+          <a:lstStyle/>
+          <a:p>
+            <a:r>
+              <a:rPr lang="en-US" dirty="0" smtClean="0"/>
+              <a:t>Finds key images</a:t>
+            </a:r>
+          </a:p>
+          <a:p>
+            <a:r>
+              <a:rPr lang="en-US" dirty="0" smtClean="0"/>
+              <a:t>Color normalization </a:t>
+            </a:r>
+            <a:endParaRPr lang="en-US" dirty="0"/>
+          </a:p>
+        </p:txBody>
+      </p:sp>
     </p:spTree>
     <p:extLst>
       <p:ext uri="{BB962C8B-B14F-4D97-AF65-F5344CB8AC3E}">
-        <p14:creationId xmlns:p14="http://schemas.microsoft.com/office/powerpoint/2010/main" val="2435200012"/>
+        <p14:creationId xmlns:p14="http://schemas.microsoft.com/office/powerpoint/2010/main" val="242027313"/>
       </p:ext>
     </p:extLst>
   </p:cSld>
   <p:clrMapOvr>
     <a:masterClrMapping/>
   </p:clrMapOvr>
-  <p:timing>
-    <p:tnLst>
-      <p:par>
-        <p:cTn xmlns:p14="http://schemas.microsoft.com/office/powerpoint/2010/main" id="1" dur="indefinite" restart="never" nodeType="tmRoot"/>
-      </p:par>
-    </p:tnLst>
-  </p:timing>
 </p:sld>
 </file>
 
@@ -8936,337 +9517,52 @@
           <a:p>
             <a:r>
               <a:rPr lang="en-US" dirty="0" smtClean="0"/>
-              <a:t>Recorded Results</a:t>
+              <a:t>Met Spec</a:t>
             </a:r>
             <a:endParaRPr lang="en-US" dirty="0"/>
           </a:p>
         </p:txBody>
       </p:sp>
-      <p:sp>
-        <p:nvSpPr>
-          <p:cNvPr id="3" name="Content Placeholder 2"/>
-          <p:cNvSpPr>
-            <a:spLocks noGrp="1"/>
-          </p:cNvSpPr>
-          <p:nvPr>
-            <p:ph idx="1"/>
-          </p:nvPr>
-        </p:nvSpPr>
-        <p:spPr/>
-        <p:txBody>
-          <a:bodyPr/>
-          <a:lstStyle/>
-          <a:p>
-            <a:r>
-              <a:rPr lang="en-US" dirty="0" smtClean="0"/>
-              <a:t>On the windows box</a:t>
-            </a:r>
-            <a:endParaRPr lang="en-US" dirty="0"/>
-          </a:p>
-        </p:txBody>
-      </p:sp>
-      <p:grpSp>
-        <p:nvGrpSpPr>
-          <p:cNvPr id="15" name="Group 14"/>
-          <p:cNvGrpSpPr/>
+      <p:pic>
+        <p:nvPicPr>
+          <p:cNvPr id="4" name="Picture 3" descr="technicalspecificationreview.pdf"/>
+          <p:cNvPicPr>
+            <a:picLocks noChangeAspect="1"/>
+          </p:cNvPicPr>
           <p:nvPr/>
-        </p:nvGrpSpPr>
-        <p:grpSpPr>
+        </p:nvPicPr>
+        <p:blipFill>
+          <a:blip r:embed="rId2">
+            <a:extLst>
+              <a:ext uri="{28A0092B-C50C-407E-A947-70E740481C1C}">
+                <a14:useLocalDpi xmlns:a14="http://schemas.microsoft.com/office/drawing/2010/main" val="0"/>
+              </a:ext>
+            </a:extLst>
+          </a:blip>
+          <a:stretch>
+            <a:fillRect/>
+          </a:stretch>
+        </p:blipFill>
+        <p:spPr>
           <a:xfrm>
-            <a:off x="265370" y="1661962"/>
-            <a:ext cx="8613566" cy="4733924"/>
-            <a:chOff x="629248" y="1775364"/>
-            <a:chExt cx="7934745" cy="4456616"/>
+            <a:off x="1917700" y="1640708"/>
+            <a:ext cx="5299364" cy="6858000"/>
           </a:xfrm>
-        </p:grpSpPr>
-        <p:pic>
-          <p:nvPicPr>
-            <p:cNvPr id="5" name="Picture 4" descr="debug7.jpg"/>
-            <p:cNvPicPr>
-              <a:picLocks noChangeAspect="1"/>
-            </p:cNvPicPr>
-            <p:nvPr/>
-          </p:nvPicPr>
-          <p:blipFill>
-            <a:blip r:embed="rId2">
-              <a:extLst>
-                <a:ext uri="{28A0092B-C50C-407E-A947-70E740481C1C}">
-                  <a14:useLocalDpi xmlns:a14="http://schemas.microsoft.com/office/drawing/2010/main" val="0"/>
-                </a:ext>
-              </a:extLst>
-            </a:blip>
-            <a:stretch>
-              <a:fillRect/>
-            </a:stretch>
-          </p:blipFill>
-          <p:spPr>
-            <a:xfrm>
-              <a:off x="629248" y="1775365"/>
-              <a:ext cx="2651760" cy="1491615"/>
-            </a:xfrm>
-            <a:prstGeom prst="rect">
-              <a:avLst/>
-            </a:prstGeom>
-          </p:spPr>
-        </p:pic>
-        <p:pic>
-          <p:nvPicPr>
-            <p:cNvPr id="6" name="Picture 5" descr="debug15.jpg"/>
-            <p:cNvPicPr>
-              <a:picLocks noChangeAspect="1"/>
-            </p:cNvPicPr>
-            <p:nvPr/>
-          </p:nvPicPr>
-          <p:blipFill>
-            <a:blip r:embed="rId3">
-              <a:extLst>
-                <a:ext uri="{28A0092B-C50C-407E-A947-70E740481C1C}">
-                  <a14:useLocalDpi xmlns:a14="http://schemas.microsoft.com/office/drawing/2010/main" val="0"/>
-                </a:ext>
-              </a:extLst>
-            </a:blip>
-            <a:stretch>
-              <a:fillRect/>
-            </a:stretch>
-          </p:blipFill>
-          <p:spPr>
-            <a:xfrm>
-              <a:off x="3275799" y="1775364"/>
-              <a:ext cx="2651760" cy="1491614"/>
-            </a:xfrm>
-            <a:prstGeom prst="rect">
-              <a:avLst/>
-            </a:prstGeom>
-          </p:spPr>
-        </p:pic>
-        <p:pic>
-          <p:nvPicPr>
-            <p:cNvPr id="7" name="Picture 6" descr="debug57.jpg"/>
-            <p:cNvPicPr>
-              <a:picLocks noChangeAspect="1"/>
-            </p:cNvPicPr>
-            <p:nvPr/>
-          </p:nvPicPr>
-          <p:blipFill>
-            <a:blip r:embed="rId4">
-              <a:extLst>
-                <a:ext uri="{28A0092B-C50C-407E-A947-70E740481C1C}">
-                  <a14:useLocalDpi xmlns:a14="http://schemas.microsoft.com/office/drawing/2010/main" val="0"/>
-                </a:ext>
-              </a:extLst>
-            </a:blip>
-            <a:stretch>
-              <a:fillRect/>
-            </a:stretch>
-          </p:blipFill>
-          <p:spPr>
-            <a:xfrm>
-              <a:off x="5912233" y="1775365"/>
-              <a:ext cx="2651760" cy="1491615"/>
-            </a:xfrm>
-            <a:prstGeom prst="rect">
-              <a:avLst/>
-            </a:prstGeom>
-          </p:spPr>
-        </p:pic>
-        <p:pic>
-          <p:nvPicPr>
-            <p:cNvPr id="8" name="Picture 7" descr="debug61.jpg"/>
-            <p:cNvPicPr>
-              <a:picLocks noChangeAspect="1"/>
-            </p:cNvPicPr>
-            <p:nvPr/>
-          </p:nvPicPr>
-          <p:blipFill>
-            <a:blip r:embed="rId5">
-              <a:extLst>
-                <a:ext uri="{28A0092B-C50C-407E-A947-70E740481C1C}">
-                  <a14:useLocalDpi xmlns:a14="http://schemas.microsoft.com/office/drawing/2010/main" val="0"/>
-                </a:ext>
-              </a:extLst>
-            </a:blip>
-            <a:stretch>
-              <a:fillRect/>
-            </a:stretch>
-          </p:blipFill>
-          <p:spPr>
-            <a:xfrm>
-              <a:off x="630116" y="3254826"/>
-              <a:ext cx="2651760" cy="1491615"/>
-            </a:xfrm>
-            <a:prstGeom prst="rect">
-              <a:avLst/>
-            </a:prstGeom>
-          </p:spPr>
-        </p:pic>
-        <p:pic>
-          <p:nvPicPr>
-            <p:cNvPr id="9" name="Picture 8" descr="debug75.jpg"/>
-            <p:cNvPicPr>
-              <a:picLocks noChangeAspect="1"/>
-            </p:cNvPicPr>
-            <p:nvPr/>
-          </p:nvPicPr>
-          <p:blipFill>
-            <a:blip r:embed="rId6">
-              <a:extLst>
-                <a:ext uri="{28A0092B-C50C-407E-A947-70E740481C1C}">
-                  <a14:useLocalDpi xmlns:a14="http://schemas.microsoft.com/office/drawing/2010/main" val="0"/>
-                </a:ext>
-              </a:extLst>
-            </a:blip>
-            <a:stretch>
-              <a:fillRect/>
-            </a:stretch>
-          </p:blipFill>
-          <p:spPr>
-            <a:xfrm>
-              <a:off x="3275799" y="3254826"/>
-              <a:ext cx="2651760" cy="1491615"/>
-            </a:xfrm>
-            <a:prstGeom prst="rect">
-              <a:avLst/>
-            </a:prstGeom>
-          </p:spPr>
-        </p:pic>
-        <p:pic>
-          <p:nvPicPr>
-            <p:cNvPr id="10" name="Picture 9" descr="debug78.jpg"/>
-            <p:cNvPicPr>
-              <a:picLocks noChangeAspect="1"/>
-            </p:cNvPicPr>
-            <p:nvPr/>
-          </p:nvPicPr>
-          <p:blipFill>
-            <a:blip r:embed="rId7">
-              <a:extLst>
-                <a:ext uri="{28A0092B-C50C-407E-A947-70E740481C1C}">
-                  <a14:useLocalDpi xmlns:a14="http://schemas.microsoft.com/office/drawing/2010/main" val="0"/>
-                </a:ext>
-              </a:extLst>
-            </a:blip>
-            <a:stretch>
-              <a:fillRect/>
-            </a:stretch>
-          </p:blipFill>
-          <p:spPr>
-            <a:xfrm>
-              <a:off x="5912233" y="3254826"/>
-              <a:ext cx="2651760" cy="1491615"/>
-            </a:xfrm>
-            <a:prstGeom prst="rect">
-              <a:avLst/>
-            </a:prstGeom>
-          </p:spPr>
-        </p:pic>
-        <p:pic>
-          <p:nvPicPr>
-            <p:cNvPr id="11" name="Picture 10" descr="debug95.jpg"/>
-            <p:cNvPicPr>
-              <a:picLocks noChangeAspect="1"/>
-            </p:cNvPicPr>
-            <p:nvPr/>
-          </p:nvPicPr>
-          <p:blipFill>
-            <a:blip r:embed="rId8">
-              <a:extLst>
-                <a:ext uri="{28A0092B-C50C-407E-A947-70E740481C1C}">
-                  <a14:useLocalDpi xmlns:a14="http://schemas.microsoft.com/office/drawing/2010/main" val="0"/>
-                </a:ext>
-              </a:extLst>
-            </a:blip>
-            <a:stretch>
-              <a:fillRect/>
-            </a:stretch>
-          </p:blipFill>
-          <p:spPr>
-            <a:xfrm>
-              <a:off x="630116" y="4740365"/>
-              <a:ext cx="2651760" cy="1491615"/>
-            </a:xfrm>
-            <a:prstGeom prst="rect">
-              <a:avLst/>
-            </a:prstGeom>
-          </p:spPr>
-        </p:pic>
-        <p:pic>
-          <p:nvPicPr>
-            <p:cNvPr id="12" name="Picture 11" descr="debug181.jpg"/>
-            <p:cNvPicPr>
-              <a:picLocks noChangeAspect="1"/>
-            </p:cNvPicPr>
-            <p:nvPr/>
-          </p:nvPicPr>
-          <p:blipFill>
-            <a:blip r:embed="rId9">
-              <a:extLst>
-                <a:ext uri="{28A0092B-C50C-407E-A947-70E740481C1C}">
-                  <a14:useLocalDpi xmlns:a14="http://schemas.microsoft.com/office/drawing/2010/main" val="0"/>
-                </a:ext>
-              </a:extLst>
-            </a:blip>
-            <a:stretch>
-              <a:fillRect/>
-            </a:stretch>
-          </p:blipFill>
-          <p:spPr>
-            <a:xfrm>
-              <a:off x="3275799" y="4740365"/>
-              <a:ext cx="2651760" cy="1491615"/>
-            </a:xfrm>
-            <a:prstGeom prst="rect">
-              <a:avLst/>
-            </a:prstGeom>
-          </p:spPr>
-        </p:pic>
-        <p:pic>
-          <p:nvPicPr>
-            <p:cNvPr id="13" name="Picture 12" descr="debug192.jpg"/>
-            <p:cNvPicPr>
-              <a:picLocks noChangeAspect="1"/>
-            </p:cNvPicPr>
-            <p:nvPr/>
-          </p:nvPicPr>
-          <p:blipFill>
-            <a:blip r:embed="rId10">
-              <a:extLst>
-                <a:ext uri="{28A0092B-C50C-407E-A947-70E740481C1C}">
-                  <a14:useLocalDpi xmlns:a14="http://schemas.microsoft.com/office/drawing/2010/main" val="0"/>
-                </a:ext>
-              </a:extLst>
-            </a:blip>
-            <a:stretch>
-              <a:fillRect/>
-            </a:stretch>
-          </p:blipFill>
-          <p:spPr>
-            <a:xfrm>
-              <a:off x="5912233" y="4740365"/>
-              <a:ext cx="2651760" cy="1491615"/>
-            </a:xfrm>
-            <a:prstGeom prst="rect">
-              <a:avLst/>
-            </a:prstGeom>
-          </p:spPr>
-        </p:pic>
-      </p:grpSp>
+          <a:prstGeom prst="rect">
+            <a:avLst/>
+          </a:prstGeom>
+        </p:spPr>
+      </p:pic>
     </p:spTree>
     <p:extLst>
       <p:ext uri="{BB962C8B-B14F-4D97-AF65-F5344CB8AC3E}">
-        <p14:creationId xmlns:p14="http://schemas.microsoft.com/office/powerpoint/2010/main" val="1394032349"/>
+        <p14:creationId xmlns:p14="http://schemas.microsoft.com/office/powerpoint/2010/main" val="4017711476"/>
       </p:ext>
     </p:extLst>
   </p:cSld>
   <p:clrMapOvr>
     <a:masterClrMapping/>
   </p:clrMapOvr>
-  <p:timing>
-    <p:tnLst>
-      <p:par>
-        <p:cTn xmlns:p14="http://schemas.microsoft.com/office/powerpoint/2010/main" id="1" dur="indefinite" restart="never" nodeType="tmRoot"/>
-      </p:par>
-    </p:tnLst>
-  </p:timing>
 </p:sld>
 </file>
 
@@ -9304,99 +9600,52 @@
           <a:p>
             <a:r>
               <a:rPr lang="en-US" dirty="0" smtClean="0"/>
-              <a:t>System Specifications</a:t>
+              <a:t>Best Case</a:t>
             </a:r>
             <a:endParaRPr lang="en-US" dirty="0"/>
           </a:p>
         </p:txBody>
       </p:sp>
-      <p:sp>
-        <p:nvSpPr>
-          <p:cNvPr id="3" name="Content Placeholder 2"/>
-          <p:cNvSpPr>
-            <a:spLocks noGrp="1"/>
-          </p:cNvSpPr>
-          <p:nvPr>
-            <p:ph idx="1"/>
-          </p:nvPr>
-        </p:nvSpPr>
-        <p:spPr/>
-        <p:txBody>
-          <a:bodyPr>
-            <a:normAutofit fontScale="92500" lnSpcReduction="20000"/>
-          </a:bodyPr>
-          <a:lstStyle/>
-          <a:p>
-            <a:r>
-              <a:rPr lang="en-US" dirty="0" smtClean="0"/>
-              <a:t>3.1.1- </a:t>
-            </a:r>
-            <a:r>
-              <a:rPr lang="en-US" dirty="0"/>
-              <a:t>The maximum time required to prepare the capture system for recording shall not exceed 5 minutes. </a:t>
-            </a:r>
-          </a:p>
-          <a:p>
-            <a:r>
-              <a:rPr lang="en-US" dirty="0" smtClean="0"/>
-              <a:t>3.2.1- </a:t>
-            </a:r>
-            <a:r>
-              <a:rPr lang="en-US" dirty="0"/>
-              <a:t>The </a:t>
-            </a:r>
-            <a:r>
-              <a:rPr lang="en-US" dirty="0" err="1"/>
-              <a:t>ProPANE</a:t>
-            </a:r>
-            <a:r>
-              <a:rPr lang="en-US" dirty="0"/>
-              <a:t> system shall capture all of the information written on a board and within the capture field provided that there exists a clear line of sight from the capture device to the information for a minimum of 5 continuous seconds. </a:t>
-            </a:r>
-          </a:p>
-          <a:p>
-            <a:r>
-              <a:rPr lang="en-US" dirty="0" smtClean="0"/>
-              <a:t>3.3.1- The </a:t>
-            </a:r>
-            <a:r>
-              <a:rPr lang="en-US" dirty="0"/>
-              <a:t>minimum operating distance from board for the capture system shall not exceed 220 inches. </a:t>
-            </a:r>
-            <a:endParaRPr lang="en-US" dirty="0" smtClean="0"/>
-          </a:p>
-          <a:p>
-            <a:r>
-              <a:rPr lang="en-US" dirty="0" smtClean="0"/>
-              <a:t>3.3.2- </a:t>
-            </a:r>
-            <a:r>
-              <a:rPr lang="en-US" dirty="0"/>
-              <a:t>The maximum operating distance from board for the capture system shall not be less than 60 inches. </a:t>
-            </a:r>
-          </a:p>
-          <a:p>
-            <a:endParaRPr lang="en-US" dirty="0"/>
-          </a:p>
-        </p:txBody>
-      </p:sp>
+      <p:pic>
+        <p:nvPicPr>
+          <p:cNvPr id="5" name="Picture 4" descr="keyimg0.jpg"/>
+          <p:cNvPicPr>
+            <a:picLocks noChangeAspect="1"/>
+          </p:cNvPicPr>
+          <p:nvPr/>
+        </p:nvPicPr>
+        <p:blipFill>
+          <a:blip r:embed="rId3">
+            <a:extLst>
+              <a:ext uri="{28A0092B-C50C-407E-A947-70E740481C1C}">
+                <a14:useLocalDpi xmlns:a14="http://schemas.microsoft.com/office/drawing/2010/main" val="0"/>
+              </a:ext>
+            </a:extLst>
+          </a:blip>
+          <a:stretch>
+            <a:fillRect/>
+          </a:stretch>
+        </p:blipFill>
+        <p:spPr>
+          <a:xfrm>
+            <a:off x="294831" y="1698878"/>
+            <a:ext cx="8571999" cy="4821749"/>
+          </a:xfrm>
+          <a:prstGeom prst="rect">
+            <a:avLst/>
+          </a:prstGeom>
+        </p:spPr>
+      </p:pic>
     </p:spTree>
     <p:extLst>
       <p:ext uri="{BB962C8B-B14F-4D97-AF65-F5344CB8AC3E}">
-        <p14:creationId xmlns:p14="http://schemas.microsoft.com/office/powerpoint/2010/main" val="3299095070"/>
+        <p14:creationId xmlns:p14="http://schemas.microsoft.com/office/powerpoint/2010/main" val="1342892831"/>
       </p:ext>
     </p:extLst>
   </p:cSld>
   <p:clrMapOvr>
     <a:masterClrMapping/>
   </p:clrMapOvr>
-  <p:timing>
-    <p:tnLst>
-      <p:par>
-        <p:cTn xmlns:p14="http://schemas.microsoft.com/office/powerpoint/2010/main" id="1" dur="indefinite" restart="never" nodeType="tmRoot"/>
-      </p:par>
-    </p:tnLst>
-  </p:timing>
 </p:sld>
 </file>
 
@@ -9434,71 +9683,52 @@
           <a:p>
             <a:r>
               <a:rPr lang="en-US" dirty="0" smtClean="0"/>
-              <a:t>Hardware Specifications</a:t>
+              <a:t>Worst Case</a:t>
             </a:r>
             <a:endParaRPr lang="en-US" dirty="0"/>
           </a:p>
         </p:txBody>
       </p:sp>
-      <p:sp>
-        <p:nvSpPr>
-          <p:cNvPr id="3" name="Content Placeholder 2"/>
-          <p:cNvSpPr>
-            <a:spLocks noGrp="1"/>
-          </p:cNvSpPr>
-          <p:nvPr>
-            <p:ph idx="1"/>
-          </p:nvPr>
-        </p:nvSpPr>
-        <p:spPr/>
-        <p:txBody>
-          <a:bodyPr/>
-          <a:lstStyle/>
-          <a:p>
-            <a:r>
-              <a:rPr lang="en-US" dirty="0" smtClean="0"/>
-              <a:t>4.1.1- </a:t>
-            </a:r>
-            <a:r>
-              <a:rPr lang="en-US" dirty="0"/>
-              <a:t>The total weight of the capture device shall not exceed 2.5 kg. </a:t>
-            </a:r>
-          </a:p>
-          <a:p>
-            <a:r>
-              <a:rPr lang="en-US" dirty="0" smtClean="0"/>
-              <a:t>4.1.2- </a:t>
-            </a:r>
-            <a:r>
-              <a:rPr lang="en-US" dirty="0"/>
-              <a:t>The capture device shall fit inside of a cube with 0.75 m sides in its most collapsed and fully assembled state. </a:t>
-            </a:r>
-          </a:p>
-          <a:p>
-            <a:pPr marL="0" indent="0">
-              <a:buNone/>
-            </a:pPr>
-            <a:endParaRPr lang="en-US" dirty="0"/>
-          </a:p>
-        </p:txBody>
-      </p:sp>
+      <p:pic>
+        <p:nvPicPr>
+          <p:cNvPr id="4" name="Picture 3" descr="keyimg1.jpg"/>
+          <p:cNvPicPr>
+            <a:picLocks noChangeAspect="1"/>
+          </p:cNvPicPr>
+          <p:nvPr/>
+        </p:nvPicPr>
+        <p:blipFill>
+          <a:blip r:embed="rId3">
+            <a:extLst>
+              <a:ext uri="{28A0092B-C50C-407E-A947-70E740481C1C}">
+                <a14:useLocalDpi xmlns:a14="http://schemas.microsoft.com/office/drawing/2010/main" val="0"/>
+              </a:ext>
+            </a:extLst>
+          </a:blip>
+          <a:stretch>
+            <a:fillRect/>
+          </a:stretch>
+        </p:blipFill>
+        <p:spPr>
+          <a:xfrm>
+            <a:off x="287432" y="1689693"/>
+            <a:ext cx="8588331" cy="4830936"/>
+          </a:xfrm>
+          <a:prstGeom prst="rect">
+            <a:avLst/>
+          </a:prstGeom>
+        </p:spPr>
+      </p:pic>
     </p:spTree>
     <p:extLst>
       <p:ext uri="{BB962C8B-B14F-4D97-AF65-F5344CB8AC3E}">
-        <p14:creationId xmlns:p14="http://schemas.microsoft.com/office/powerpoint/2010/main" val="6903302"/>
+        <p14:creationId xmlns:p14="http://schemas.microsoft.com/office/powerpoint/2010/main" val="3707910926"/>
       </p:ext>
     </p:extLst>
   </p:cSld>
   <p:clrMapOvr>
     <a:masterClrMapping/>
   </p:clrMapOvr>
-  <p:timing>
-    <p:tnLst>
-      <p:par>
-        <p:cTn xmlns:p14="http://schemas.microsoft.com/office/powerpoint/2010/main" id="1" dur="indefinite" restart="never" nodeType="tmRoot"/>
-      </p:par>
-    </p:tnLst>
-  </p:timing>
 </p:sld>
 </file>
 
@@ -9536,7 +9766,7 @@
           <a:p>
             <a:r>
               <a:rPr lang="en-US" dirty="0" smtClean="0"/>
-              <a:t>Software Specifications</a:t>
+              <a:t>Distance to Board</a:t>
             </a:r>
             <a:endParaRPr lang="en-US" dirty="0"/>
           </a:p>
@@ -9559,58 +9789,30 @@
           <a:p>
             <a:r>
               <a:rPr lang="en-US" dirty="0" smtClean="0"/>
-              <a:t>5.1.1- </a:t>
+              <a:t>3.3.1</a:t>
             </a:r>
             <a:r>
               <a:rPr lang="en-US" dirty="0"/>
-              <a:t>The analysis system shall support the Ubuntu </a:t>
-            </a:r>
-            <a:r>
-              <a:rPr lang="en-US" dirty="0" smtClean="0"/>
-              <a:t>12.10 </a:t>
-            </a:r>
+              <a:t>- The minimum operating distance from board for the capture system shall not exceed 220 inches. </a:t>
+            </a:r>
+            <a:endParaRPr lang="en-US" dirty="0" smtClean="0"/>
+          </a:p>
+          <a:p>
             <a:r>
               <a:rPr lang="en-US" dirty="0"/>
-              <a:t>operating system. </a:t>
-            </a:r>
-          </a:p>
-          <a:p>
-            <a:r>
-              <a:rPr lang="en-US" dirty="0" smtClean="0"/>
-              <a:t>5.2.1- </a:t>
-            </a:r>
-            <a:r>
-              <a:rPr lang="en-US" dirty="0"/>
-              <a:t>The </a:t>
-            </a:r>
-            <a:r>
-              <a:rPr lang="en-US" dirty="0" err="1"/>
-              <a:t>ProPANE</a:t>
-            </a:r>
-            <a:r>
-              <a:rPr lang="en-US" dirty="0"/>
-              <a:t> system shall generate images that are in an open format (no proprietary formats). </a:t>
-            </a:r>
-          </a:p>
-          <a:p>
-            <a:r>
-              <a:rPr lang="en-US" dirty="0" smtClean="0"/>
-              <a:t>5.2.2- </a:t>
-            </a:r>
-            <a:r>
-              <a:rPr lang="en-US" dirty="0"/>
-              <a:t>The images generated by the </a:t>
-            </a:r>
-            <a:r>
-              <a:rPr lang="en-US" dirty="0" err="1"/>
-              <a:t>ProPANE</a:t>
-            </a:r>
-            <a:r>
-              <a:rPr lang="en-US" dirty="0"/>
-              <a:t> system shall be editable—to the extent of rotating and cropping—through the use of a free-from-cost editor. </a:t>
-            </a:r>
-          </a:p>
-          <a:p>
+              <a:t>If minimum operating distance exceeds 220 inches the camera would be behind the back wall in some </a:t>
+            </a:r>
+            <a:r>
+              <a:rPr lang="en-US" dirty="0" smtClean="0"/>
+              <a:t>classrooms</a:t>
+            </a:r>
+            <a:endParaRPr lang="en-US" dirty="0"/>
+          </a:p>
+          <a:p>
+            <a:r>
+              <a:rPr lang="en-US" dirty="0" smtClean="0"/>
+              <a:t>Capturing at 60 inches shows that this specification is met</a:t>
+            </a:r>
             <a:endParaRPr lang="en-US" dirty="0"/>
           </a:p>
         </p:txBody>
@@ -9618,20 +9820,13 @@
     </p:spTree>
     <p:extLst>
       <p:ext uri="{BB962C8B-B14F-4D97-AF65-F5344CB8AC3E}">
-        <p14:creationId xmlns:p14="http://schemas.microsoft.com/office/powerpoint/2010/main" val="1110084734"/>
+        <p14:creationId xmlns:p14="http://schemas.microsoft.com/office/powerpoint/2010/main" val="3111221436"/>
       </p:ext>
     </p:extLst>
   </p:cSld>
   <p:clrMapOvr>
     <a:masterClrMapping/>
   </p:clrMapOvr>
-  <p:timing>
-    <p:tnLst>
-      <p:par>
-        <p:cTn xmlns:p14="http://schemas.microsoft.com/office/powerpoint/2010/main" id="1" dur="indefinite" restart="never" nodeType="tmRoot"/>
-      </p:par>
-    </p:tnLst>
-  </p:timing>
 </p:sld>
 </file>
 
@@ -9669,7 +9864,7 @@
           <a:p>
             <a:r>
               <a:rPr lang="en-US" dirty="0" smtClean="0"/>
-              <a:t>Interface Specifications</a:t>
+              <a:t>Feedback</a:t>
             </a:r>
             <a:endParaRPr lang="en-US" dirty="0"/>
           </a:p>
@@ -9687,56 +9882,24 @@
         </p:nvSpPr>
         <p:spPr/>
         <p:txBody>
-          <a:bodyPr>
-            <a:normAutofit fontScale="92500" lnSpcReduction="10000"/>
-          </a:bodyPr>
+          <a:bodyPr/>
           <a:lstStyle/>
           <a:p>
             <a:r>
               <a:rPr lang="en-US" dirty="0" smtClean="0"/>
-              <a:t>6.1.1- </a:t>
-            </a:r>
-            <a:r>
-              <a:rPr lang="en-US" dirty="0"/>
-              <a:t>The mechanism for starting the capture system shall be simple enough to use as to require no special training aside from reading the user manual. </a:t>
-            </a:r>
-          </a:p>
-          <a:p>
-            <a:r>
-              <a:rPr lang="en-US" dirty="0" smtClean="0"/>
-              <a:t>6.1.2- </a:t>
-            </a:r>
-            <a:r>
-              <a:rPr lang="en-US" dirty="0"/>
-              <a:t>The mechanism for stopping the capture system shall be simple enough to use as to require no </a:t>
-            </a:r>
-            <a:r>
-              <a:rPr lang="en-US" dirty="0" smtClean="0"/>
-              <a:t>special </a:t>
-            </a:r>
-            <a:r>
-              <a:rPr lang="en-US" dirty="0"/>
-              <a:t>training aside from reading the user manual. </a:t>
-            </a:r>
-          </a:p>
-          <a:p>
-            <a:r>
-              <a:rPr lang="en-US" dirty="0" smtClean="0"/>
-              <a:t>6.2.1- </a:t>
-            </a:r>
-            <a:r>
-              <a:rPr lang="en-US" dirty="0"/>
-              <a:t>The analysis system shall provide a mechanism for accessing the identified key images. </a:t>
-            </a:r>
-          </a:p>
-          <a:p>
-            <a:r>
-              <a:rPr lang="en-US" dirty="0" smtClean="0"/>
-              <a:t>6.2.2- </a:t>
-            </a:r>
-            <a:r>
-              <a:rPr lang="en-US" dirty="0"/>
-              <a:t>The analysis system shall provide a graphical interface for exporting image files to a specified location. </a:t>
+              <a:t>Questions?</a:t>
+            </a:r>
+          </a:p>
+          <a:p>
+            <a:r>
+              <a:rPr lang="en-US" dirty="0" smtClean="0"/>
+              <a:t>Comments?</a:t>
+            </a:r>
+          </a:p>
+          <a:p>
+            <a:r>
+              <a:rPr lang="en-US" dirty="0" smtClean="0"/>
+              <a:t>Concerns?</a:t>
             </a:r>
           </a:p>
         </p:txBody>
@@ -9744,7 +9907,7 @@
     </p:spTree>
     <p:extLst>
       <p:ext uri="{BB962C8B-B14F-4D97-AF65-F5344CB8AC3E}">
-        <p14:creationId xmlns:p14="http://schemas.microsoft.com/office/powerpoint/2010/main" val="1191960253"/>
+        <p14:creationId xmlns:p14="http://schemas.microsoft.com/office/powerpoint/2010/main" val="682857186"/>
       </p:ext>
     </p:extLst>
   </p:cSld>
@@ -9795,7 +9958,7 @@
           <a:p>
             <a:r>
               <a:rPr lang="en-US" dirty="0" smtClean="0"/>
-              <a:t>Future Work</a:t>
+              <a:t>Appendix A</a:t>
             </a:r>
             <a:endParaRPr lang="en-US" dirty="0"/>
           </a:p>
@@ -9818,26 +9981,7 @@
           <a:p>
             <a:r>
               <a:rPr lang="en-US" dirty="0" smtClean="0"/>
-              <a:t>Whiteboard normalization</a:t>
-            </a:r>
-          </a:p>
-          <a:p>
-            <a:r>
-              <a:rPr lang="en-US" dirty="0" smtClean="0"/>
-              <a:t>Wider capture field</a:t>
-            </a:r>
-          </a:p>
-          <a:p>
-            <a:r>
-              <a:rPr lang="en-US" dirty="0" smtClean="0"/>
-              <a:t>Seamless integration</a:t>
-            </a:r>
-            <a:endParaRPr lang="en-US" dirty="0"/>
-          </a:p>
-          <a:p>
-            <a:r>
-              <a:rPr lang="en-US" dirty="0" smtClean="0"/>
-              <a:t>Cell classification/key image detection</a:t>
+              <a:t>In depth review of technical specifications</a:t>
             </a:r>
             <a:endParaRPr lang="en-US" dirty="0"/>
           </a:p>
@@ -9846,7 +9990,7 @@
     </p:spTree>
     <p:extLst>
       <p:ext uri="{BB962C8B-B14F-4D97-AF65-F5344CB8AC3E}">
-        <p14:creationId xmlns:p14="http://schemas.microsoft.com/office/powerpoint/2010/main" val="1403297189"/>
+        <p14:creationId xmlns:p14="http://schemas.microsoft.com/office/powerpoint/2010/main" val="2155218030"/>
       </p:ext>
     </p:extLst>
   </p:cSld>

--- a/Meetings/Panel5/Panel5.pptx
+++ b/Meetings/Panel5/Panel5.pptx
@@ -9480,6 +9480,13 @@
   <p:clrMapOvr>
     <a:masterClrMapping/>
   </p:clrMapOvr>
+  <p:timing>
+    <p:tnLst>
+      <p:par>
+        <p:cTn xmlns:p14="http://schemas.microsoft.com/office/powerpoint/2010/main" id="1" dur="indefinite" restart="never" nodeType="tmRoot"/>
+      </p:par>
+    </p:tnLst>
+  </p:timing>
 </p:sld>
 </file>
 
@@ -9563,6 +9570,13 @@
   <p:clrMapOvr>
     <a:masterClrMapping/>
   </p:clrMapOvr>
+  <p:timing>
+    <p:tnLst>
+      <p:par>
+        <p:cTn xmlns:p14="http://schemas.microsoft.com/office/powerpoint/2010/main" id="1" dur="indefinite" restart="never" nodeType="tmRoot"/>
+      </p:par>
+    </p:tnLst>
+  </p:timing>
 </p:sld>
 </file>
 
@@ -9646,6 +9660,13 @@
   <p:clrMapOvr>
     <a:masterClrMapping/>
   </p:clrMapOvr>
+  <p:timing>
+    <p:tnLst>
+      <p:par>
+        <p:cTn xmlns:p14="http://schemas.microsoft.com/office/powerpoint/2010/main" id="1" dur="indefinite" restart="never" nodeType="tmRoot"/>
+      </p:par>
+    </p:tnLst>
+  </p:timing>
 </p:sld>
 </file>
 
@@ -9729,6 +9750,13 @@
   <p:clrMapOvr>
     <a:masterClrMapping/>
   </p:clrMapOvr>
+  <p:timing>
+    <p:tnLst>
+      <p:par>
+        <p:cTn xmlns:p14="http://schemas.microsoft.com/office/powerpoint/2010/main" id="1" dur="indefinite" restart="never" nodeType="tmRoot"/>
+      </p:par>
+    </p:tnLst>
+  </p:timing>
 </p:sld>
 </file>
 
@@ -9827,6 +9855,13 @@
   <p:clrMapOvr>
     <a:masterClrMapping/>
   </p:clrMapOvr>
+  <p:timing>
+    <p:tnLst>
+      <p:par>
+        <p:cTn xmlns:p14="http://schemas.microsoft.com/office/powerpoint/2010/main" id="1" dur="indefinite" restart="never" nodeType="tmRoot"/>
+      </p:par>
+    </p:tnLst>
+  </p:timing>
 </p:sld>
 </file>
 
@@ -9997,6 +10032,13 @@
   <p:clrMapOvr>
     <a:masterClrMapping/>
   </p:clrMapOvr>
+  <p:timing>
+    <p:tnLst>
+      <p:par>
+        <p:cTn xmlns:p14="http://schemas.microsoft.com/office/powerpoint/2010/main" id="1" dur="indefinite" restart="never" nodeType="tmRoot"/>
+      </p:par>
+    </p:tnLst>
+  </p:timing>
 </p:sld>
 </file>
 
